--- a/ProyectoFinal.v2/Presentacion proyecto final ds4.pptx
+++ b/ProyectoFinal.v2/Presentacion proyecto final ds4.pptx
@@ -16,7 +16,7 @@
     <p:sldId id="267" r:id="rId10"/>
     <p:sldId id="268" r:id="rId11"/>
     <p:sldId id="263" r:id="rId12"/>
-    <p:sldId id="266" r:id="rId13"/>
+    <p:sldId id="270" r:id="rId13"/>
   </p:sldIdLst>
   <p:sldSz cx="12192000" cy="6858000"/>
   <p:notesSz cx="6858000" cy="9144000"/>
@@ -538,7 +538,7 @@
           <a:p>
             <a:fld id="{F3B837CD-37AB-4650-BD5F-02D5554B64FB}" type="slidenum">
               <a:rPr lang="es-PA" smtClean="0"/>
-              <a:t>9</a:t>
+              <a:t>3</a:t>
             </a:fld>
             <a:endParaRPr lang="es-PA"/>
           </a:p>
@@ -547,7 +547,7 @@
     </p:spTree>
     <p:extLst>
       <p:ext uri="{BB962C8B-B14F-4D97-AF65-F5344CB8AC3E}">
-        <p14:creationId xmlns:p14="http://schemas.microsoft.com/office/powerpoint/2010/main" val="202818393"/>
+        <p14:creationId xmlns:p14="http://schemas.microsoft.com/office/powerpoint/2010/main" val="2091835541"/>
       </p:ext>
     </p:extLst>
   </p:cSld>
@@ -4264,7 +4264,7 @@
           <a:p>
             <a:r>
               <a:rPr lang="es-PA" dirty="0"/>
-              <a:t>https://github.com/fran0699/proyecto-ds4.git</a:t>
+              <a:t>https://github.com/OscarH-13/Proyectos-DS4.git</a:t>
             </a:r>
           </a:p>
         </p:txBody>
@@ -4385,7 +4385,7 @@
         </p:nvSpPr>
         <p:spPr>
           <a:xfrm>
-            <a:off x="6897624" y="6261854"/>
+            <a:off x="6870192" y="6261854"/>
             <a:ext cx="6096000" cy="369332"/>
           </a:xfrm>
           <a:prstGeom prst="rect">
@@ -4401,7 +4401,7 @@
           <a:p>
             <a:r>
               <a:rPr lang="es-PA" dirty="0"/>
-              <a:t>https://github.com/fran0699/proyecto-ds4.git</a:t>
+              <a:t>https://github.com/OscarH-13/Proyectos-DS4.git</a:t>
             </a:r>
           </a:p>
         </p:txBody>
@@ -4457,7 +4457,7 @@
           <p:nvPr/>
         </p:nvPicPr>
         <p:blipFill>
-          <a:blip r:embed="rId2"/>
+          <a:blip r:embed="rId3"/>
           <a:stretch>
             <a:fillRect/>
           </a:stretch>
@@ -4623,7 +4623,7 @@
           <a:p>
             <a:r>
               <a:rPr lang="es-PA" dirty="0"/>
-              <a:t>https://github.com/fran0699/proyecto-ds4.git</a:t>
+              <a:t>https://github.com/OscarH-13/Proyectos-DS4.git</a:t>
             </a:r>
           </a:p>
         </p:txBody>
@@ -4815,7 +4815,7 @@
           <a:p>
             <a:r>
               <a:rPr lang="es-PA" dirty="0"/>
-              <a:t>https://github.com/fran0699/proyecto-ds4.git</a:t>
+              <a:t>https://github.com/OscarH-13/Proyectos-DS4.git</a:t>
             </a:r>
           </a:p>
         </p:txBody>
@@ -5092,7 +5092,7 @@
           <a:p>
             <a:r>
               <a:rPr lang="es-PA" dirty="0"/>
-              <a:t>https://github.com/fran0699/proyecto-ds4.git</a:t>
+              <a:t>https://github.com/OscarH-13/Proyectos-DS4.git</a:t>
             </a:r>
           </a:p>
         </p:txBody>
@@ -5369,7 +5369,7 @@
           <a:p>
             <a:r>
               <a:rPr lang="es-PA" dirty="0"/>
-              <a:t>https://github.com/fran0699/proyecto-ds4.git</a:t>
+              <a:t>https://github.com/OscarH-13/Proyectos-DS4.git</a:t>
             </a:r>
           </a:p>
         </p:txBody>
@@ -5533,7 +5533,7 @@
           <a:p>
             <a:r>
               <a:rPr lang="es-PA" dirty="0"/>
-              <a:t>https://github.com/fran0699/proyecto-ds4.git</a:t>
+              <a:t>https://github.com/OscarH-13/Proyectos-DS4.git</a:t>
             </a:r>
           </a:p>
         </p:txBody>
@@ -5711,13 +5711,7 @@
   <p:cSld>
     <p:spTree>
       <p:nvGrpSpPr>
-        <p:cNvPr id="1" name="">
-          <a:extLst>
-            <a:ext uri="{FF2B5EF4-FFF2-40B4-BE49-F238E27FC236}">
-              <a16:creationId xmlns:a16="http://schemas.microsoft.com/office/drawing/2014/main" id="{5CCA69AD-AC65-F327-FF33-4AFE49CC3AC5}"/>
-            </a:ext>
-          </a:extLst>
-        </p:cNvPr>
+        <p:cNvPr id="1" name=""/>
         <p:cNvGrpSpPr/>
         <p:nvPr/>
       </p:nvGrpSpPr>
@@ -5729,99 +5723,37 @@
           <a:chExt cx="0" cy="0"/>
         </a:xfrm>
       </p:grpSpPr>
-      <p:sp>
-        <p:nvSpPr>
-          <p:cNvPr id="2" name="Title 1">
-            <a:extLst>
-              <a:ext uri="{FF2B5EF4-FFF2-40B4-BE49-F238E27FC236}">
-                <a16:creationId xmlns:a16="http://schemas.microsoft.com/office/drawing/2014/main" id="{B6534764-EAC4-284A-6D25-417802F512F6}"/>
-              </a:ext>
-            </a:extLst>
-          </p:cNvPr>
-          <p:cNvSpPr>
-            <a:spLocks noGrp="1"/>
-          </p:cNvSpPr>
-          <p:nvPr>
-            <p:ph type="title"/>
-          </p:nvPr>
-        </p:nvSpPr>
-        <p:spPr>
-          <a:xfrm>
-            <a:off x="2833193" y="105324"/>
-            <a:ext cx="7476416" cy="539496"/>
-          </a:xfrm>
-        </p:spPr>
-        <p:txBody>
-          <a:bodyPr>
-            <a:normAutofit fontScale="90000"/>
-          </a:bodyPr>
-          <a:lstStyle/>
-          <a:p>
-            <a:r>
-              <a:rPr lang="es-ES" sz="3200" dirty="0" err="1"/>
-              <a:t>Github</a:t>
-            </a:r>
-            <a:r>
-              <a:rPr lang="es-ES" sz="3200" dirty="0"/>
-              <a:t> con el repositorio del proyecto</a:t>
-            </a:r>
-            <a:endParaRPr lang="es-PA" sz="3200" dirty="0"/>
-          </a:p>
-        </p:txBody>
-      </p:sp>
-      <p:sp>
-        <p:nvSpPr>
-          <p:cNvPr id="6" name="TextBox 5">
-            <a:extLst>
-              <a:ext uri="{FF2B5EF4-FFF2-40B4-BE49-F238E27FC236}">
-                <a16:creationId xmlns:a16="http://schemas.microsoft.com/office/drawing/2014/main" id="{D6CD54C4-0177-DFB6-9DAB-3121A6DBEF30}"/>
-              </a:ext>
-            </a:extLst>
-          </p:cNvPr>
-          <p:cNvSpPr txBox="1"/>
+      <p:pic>
+        <p:nvPicPr>
+          <p:cNvPr id="1026" name="Picture 2" descr="Download HD Gracias Todos - Thank You In Spanish Transparent PNG Image -  NicePNG.com">
+            <a:extLst>
+              <a:ext uri="{FF2B5EF4-FFF2-40B4-BE49-F238E27FC236}">
+                <a16:creationId xmlns:a16="http://schemas.microsoft.com/office/drawing/2014/main" id="{87DA99B1-1EB8-689F-E42C-7D04B8AB1097}"/>
+              </a:ext>
+            </a:extLst>
+          </p:cNvPr>
+          <p:cNvPicPr>
+            <a:picLocks noChangeAspect="1" noChangeArrowheads="1"/>
+          </p:cNvPicPr>
           <p:nvPr/>
-        </p:nvSpPr>
-        <p:spPr>
-          <a:xfrm>
-            <a:off x="6897624" y="6261854"/>
-            <a:ext cx="6096000" cy="369332"/>
-          </a:xfrm>
-          <a:prstGeom prst="rect">
-            <a:avLst/>
-          </a:prstGeom>
-          <a:noFill/>
-        </p:spPr>
-        <p:txBody>
-          <a:bodyPr wrap="square">
-            <a:spAutoFit/>
-          </a:bodyPr>
-          <a:lstStyle/>
-          <a:p>
-            <a:r>
-              <a:rPr lang="es-PA" dirty="0"/>
-              <a:t>https://github.com/fran0699/proyecto-ds4.git</a:t>
-            </a:r>
-          </a:p>
-        </p:txBody>
-      </p:sp>
-      <p:sp>
-        <p:nvSpPr>
-          <p:cNvPr id="4" name="AutoShape 2">
-            <a:extLst>
-              <a:ext uri="{FF2B5EF4-FFF2-40B4-BE49-F238E27FC236}">
-                <a16:creationId xmlns:a16="http://schemas.microsoft.com/office/drawing/2014/main" id="{F26DE96A-DAE9-4CC5-97B9-7063F59EF6AB}"/>
-              </a:ext>
-            </a:extLst>
-          </p:cNvPr>
-          <p:cNvSpPr>
-            <a:spLocks noChangeAspect="1" noChangeArrowheads="1"/>
-          </p:cNvSpPr>
-          <p:nvPr/>
-        </p:nvSpPr>
+        </p:nvPicPr>
+        <p:blipFill>
+          <a:blip r:embed="rId2">
+            <a:extLst>
+              <a:ext uri="{28A0092B-C50C-407E-A947-70E740481C1C}">
+                <a14:useLocalDpi xmlns:a14="http://schemas.microsoft.com/office/drawing/2010/main" val="0"/>
+              </a:ext>
+            </a:extLst>
+          </a:blip>
+          <a:srcRect/>
+          <a:stretch>
+            <a:fillRect/>
+          </a:stretch>
+        </p:blipFill>
         <p:spPr bwMode="auto">
           <a:xfrm>
-            <a:off x="5943600" y="3276600"/>
-            <a:ext cx="304800" cy="304800"/>
+            <a:off x="2176462" y="1865461"/>
+            <a:ext cx="7839075" cy="3401863"/>
           </a:xfrm>
           <a:prstGeom prst="rect">
             <a:avLst/>
@@ -5837,52 +5769,11 @@
             </a:ext>
           </a:extLst>
         </p:spPr>
-        <p:txBody>
-          <a:bodyPr vert="horz" wrap="square" lIns="91440" tIns="45720" rIns="91440" bIns="45720" numCol="1" anchor="t" anchorCtr="0" compatLnSpc="1">
-            <a:prstTxWarp prst="textNoShape">
-              <a:avLst/>
-            </a:prstTxWarp>
-          </a:bodyPr>
-          <a:lstStyle/>
-          <a:p>
-            <a:endParaRPr lang="es-PA"/>
-          </a:p>
-        </p:txBody>
-      </p:sp>
-      <p:pic>
-        <p:nvPicPr>
-          <p:cNvPr id="7" name="Imagen 6">
-            <a:extLst>
-              <a:ext uri="{FF2B5EF4-FFF2-40B4-BE49-F238E27FC236}">
-                <a16:creationId xmlns:a16="http://schemas.microsoft.com/office/drawing/2014/main" id="{9BD1D7A0-3C06-DCB9-A7D4-718FEC6ABE6C}"/>
-              </a:ext>
-            </a:extLst>
-          </p:cNvPr>
-          <p:cNvPicPr>
-            <a:picLocks noChangeAspect="1"/>
-          </p:cNvPicPr>
-          <p:nvPr/>
-        </p:nvPicPr>
-        <p:blipFill>
-          <a:blip r:embed="rId3"/>
-          <a:stretch>
-            <a:fillRect/>
-          </a:stretch>
-        </p:blipFill>
-        <p:spPr>
-          <a:xfrm>
-            <a:off x="994786" y="870382"/>
-            <a:ext cx="10905811" cy="5165910"/>
-          </a:xfrm>
-          <a:prstGeom prst="rect">
-            <a:avLst/>
-          </a:prstGeom>
-        </p:spPr>
       </p:pic>
     </p:spTree>
     <p:extLst>
       <p:ext uri="{BB962C8B-B14F-4D97-AF65-F5344CB8AC3E}">
-        <p14:creationId xmlns:p14="http://schemas.microsoft.com/office/powerpoint/2010/main" val="239461141"/>
+        <p14:creationId xmlns:p14="http://schemas.microsoft.com/office/powerpoint/2010/main" val="3453277851"/>
       </p:ext>
     </p:extLst>
   </p:cSld>
@@ -6455,27 +6346,6 @@
 </file>
 
 <file path=customXml/item1.xml><?xml version="1.0" encoding="utf-8"?>
-<?mso-contentType ?>
-<FormTemplates xmlns="http://schemas.microsoft.com/sharepoint/v3/contenttype/forms">
-  <Display>DocumentLibraryForm</Display>
-  <Edit>DocumentLibraryForm</Edit>
-  <New>DocumentLibraryForm</New>
-</FormTemplates>
-</file>
-
-<file path=customXml/item2.xml><?xml version="1.0" encoding="utf-8"?>
-<p:properties xmlns:p="http://schemas.microsoft.com/office/2006/metadata/properties" xmlns:xsi="http://www.w3.org/2001/XMLSchema-instance" xmlns:pc="http://schemas.microsoft.com/office/infopath/2007/PartnerControls">
-  <documentManagement>
-    <lcf76f155ced4ddcb4097134ff3c332f xmlns="9c418c32-d398-4483-ab69-1a58c09ff3bb">
-      <Terms xmlns="http://schemas.microsoft.com/office/infopath/2007/PartnerControls"/>
-    </lcf76f155ced4ddcb4097134ff3c332f>
-    <TaxCatchAll xmlns="ec06ea61-3c26-4643-b0d3-bc7d48eec83e" xsi:nil="true"/>
-    <ReferenceId xmlns="9c418c32-d398-4483-ab69-1a58c09ff3bb" xsi:nil="true"/>
-  </documentManagement>
-</p:properties>
-</file>
-
-<file path=customXml/item3.xml><?xml version="1.0" encoding="utf-8"?>
 <ct:contentTypeSchema xmlns:ct="http://schemas.microsoft.com/office/2006/metadata/contentType" xmlns:ma="http://schemas.microsoft.com/office/2006/metadata/properties/metaAttributes" ct:_="" ma:_="" ma:contentTypeName="Documento" ma:contentTypeID="0x0101008BDE44D2E659E048B3D6B9C18CD9F34A" ma:contentTypeVersion="12" ma:contentTypeDescription="Crear nuevo documento." ma:contentTypeScope="" ma:versionID="6f249c4be9b8b7b98ab4d62fdb4f6fab">
   <xsd:schema xmlns:xsd="http://www.w3.org/2001/XMLSchema" xmlns:xs="http://www.w3.org/2001/XMLSchema" xmlns:p="http://schemas.microsoft.com/office/2006/metadata/properties" xmlns:ns2="9c418c32-d398-4483-ab69-1a58c09ff3bb" xmlns:ns3="ec06ea61-3c26-4643-b0d3-bc7d48eec83e" targetNamespace="http://schemas.microsoft.com/office/2006/metadata/properties" ma:root="true" ma:fieldsID="1b85c0308e218570d87ed1e3ad546337" ns2:_="" ns3:_="">
     <xsd:import namespace="9c418c32-d398-4483-ab69-1a58c09ff3bb"/>
@@ -6676,26 +6546,28 @@
 </ct:contentTypeSchema>
 </file>
 
-<file path=customXml/itemProps1.xml><?xml version="1.0" encoding="utf-8"?>
-<ds:datastoreItem xmlns:ds="http://schemas.openxmlformats.org/officeDocument/2006/customXml" ds:itemID="{5537C2C6-FE88-4216-BABC-A7C969366520}">
-  <ds:schemaRefs>
-    <ds:schemaRef ds:uri="http://schemas.microsoft.com/sharepoint/v3/contenttype/forms"/>
-  </ds:schemaRefs>
-</ds:datastoreItem>
+<file path=customXml/item2.xml><?xml version="1.0" encoding="utf-8"?>
+<?mso-contentType ?>
+<FormTemplates xmlns="http://schemas.microsoft.com/sharepoint/v3/contenttype/forms">
+  <Display>DocumentLibraryForm</Display>
+  <Edit>DocumentLibraryForm</Edit>
+  <New>DocumentLibraryForm</New>
+</FormTemplates>
 </file>
 
-<file path=customXml/itemProps2.xml><?xml version="1.0" encoding="utf-8"?>
-<ds:datastoreItem xmlns:ds="http://schemas.openxmlformats.org/officeDocument/2006/customXml" ds:itemID="{4D9BAFDE-65E9-423A-A0E6-09AAD857598E}">
-  <ds:schemaRefs>
-    <ds:schemaRef ds:uri="http://schemas.microsoft.com/office/2006/metadata/properties"/>
-    <ds:schemaRef ds:uri="http://schemas.microsoft.com/office/infopath/2007/PartnerControls"/>
-    <ds:schemaRef ds:uri="9c418c32-d398-4483-ab69-1a58c09ff3bb"/>
-    <ds:schemaRef ds:uri="ec06ea61-3c26-4643-b0d3-bc7d48eec83e"/>
-  </ds:schemaRefs>
-</ds:datastoreItem>
+<file path=customXml/item3.xml><?xml version="1.0" encoding="utf-8"?>
+<p:properties xmlns:p="http://schemas.microsoft.com/office/2006/metadata/properties" xmlns:xsi="http://www.w3.org/2001/XMLSchema-instance" xmlns:pc="http://schemas.microsoft.com/office/infopath/2007/PartnerControls">
+  <documentManagement>
+    <lcf76f155ced4ddcb4097134ff3c332f xmlns="9c418c32-d398-4483-ab69-1a58c09ff3bb">
+      <Terms xmlns="http://schemas.microsoft.com/office/infopath/2007/PartnerControls"/>
+    </lcf76f155ced4ddcb4097134ff3c332f>
+    <TaxCatchAll xmlns="ec06ea61-3c26-4643-b0d3-bc7d48eec83e" xsi:nil="true"/>
+    <ReferenceId xmlns="9c418c32-d398-4483-ab69-1a58c09ff3bb" xsi:nil="true"/>
+  </documentManagement>
+</p:properties>
 </file>
 
-<file path=customXml/itemProps3.xml><?xml version="1.0" encoding="utf-8"?>
+<file path=customXml/itemProps1.xml><?xml version="1.0" encoding="utf-8"?>
 <ds:datastoreItem xmlns:ds="http://schemas.openxmlformats.org/officeDocument/2006/customXml" ds:itemID="{5A0C2701-4C27-4E96-AB4D-AAB3FFC5A06B}">
   <ds:schemaRefs>
     <ds:schemaRef ds:uri="http://schemas.microsoft.com/office/2006/metadata/contentType"/>
@@ -6712,4 +6584,23 @@
     <ds:schemaRef ds:uri="http://schemas.microsoft.com/internal/obd"/>
   </ds:schemaRefs>
 </ds:datastoreItem>
+</file>
+
+<file path=customXml/itemProps2.xml><?xml version="1.0" encoding="utf-8"?>
+<ds:datastoreItem xmlns:ds="http://schemas.openxmlformats.org/officeDocument/2006/customXml" ds:itemID="{5537C2C6-FE88-4216-BABC-A7C969366520}">
+  <ds:schemaRefs>
+    <ds:schemaRef ds:uri="http://schemas.microsoft.com/sharepoint/v3/contenttype/forms"/>
+  </ds:schemaRefs>
+</ds:datastoreItem>
+</file>
+
+<file path=customXml/itemProps3.xml><?xml version="1.0" encoding="utf-8"?>
+<ds:datastoreItem xmlns:ds="http://schemas.openxmlformats.org/officeDocument/2006/customXml" ds:itemID="{4D9BAFDE-65E9-423A-A0E6-09AAD857598E}">
+  <ds:schemaRefs>
+    <ds:schemaRef ds:uri="http://schemas.microsoft.com/office/2006/metadata/properties"/>
+    <ds:schemaRef ds:uri="http://schemas.microsoft.com/office/infopath/2007/PartnerControls"/>
+    <ds:schemaRef ds:uri="9c418c32-d398-4483-ab69-1a58c09ff3bb"/>
+    <ds:schemaRef ds:uri="ec06ea61-3c26-4643-b0d3-bc7d48eec83e"/>
+  </ds:schemaRefs>
+</ds:datastoreItem>
 </file>